--- a/Documents/Powerpoints/3.1 Recursion.pptx
+++ b/Documents/Powerpoints/3.1 Recursion.pptx
@@ -5,31 +5,21 @@
     <p:sldMasterId id="2147483666" r:id="rId1"/>
   </p:sldMasterIdLst>
   <p:notesMasterIdLst>
-    <p:notesMasterId r:id="rId17"/>
+    <p:notesMasterId r:id="rId7"/>
   </p:notesMasterIdLst>
   <p:sldIdLst>
     <p:sldId id="256" r:id="rId2"/>
     <p:sldId id="257" r:id="rId3"/>
-    <p:sldId id="258" r:id="rId4"/>
-    <p:sldId id="259" r:id="rId5"/>
-    <p:sldId id="260" r:id="rId6"/>
-    <p:sldId id="261" r:id="rId7"/>
-    <p:sldId id="262" r:id="rId8"/>
-    <p:sldId id="263" r:id="rId9"/>
-    <p:sldId id="265" r:id="rId10"/>
-    <p:sldId id="266" r:id="rId11"/>
-    <p:sldId id="267" r:id="rId12"/>
-    <p:sldId id="264" r:id="rId13"/>
-    <p:sldId id="268" r:id="rId14"/>
-    <p:sldId id="272" r:id="rId15"/>
-    <p:sldId id="269" r:id="rId16"/>
+    <p:sldId id="264" r:id="rId4"/>
+    <p:sldId id="265" r:id="rId5"/>
+    <p:sldId id="263" r:id="rId6"/>
   </p:sldIdLst>
   <p:sldSz cx="9144000" cy="5143500" type="screen16x9"/>
   <p:notesSz cx="6858000" cy="9144000"/>
   <p:embeddedFontLst>
     <p:embeddedFont>
       <p:font typeface="Lustria" panose="020B0604020202020204" charset="0"/>
-      <p:regular r:id="rId18"/>
+      <p:regular r:id="rId8"/>
     </p:embeddedFont>
   </p:embeddedFontLst>
   <p:defaultTextStyle>
@@ -22905,606 +22895,13 @@
             </a:pPr>
             <a:r>
               <a:rPr lang="en" dirty="0"/>
-              <a:t>Generic classes &amp; methods</a:t>
+              <a:t>Recursion</a:t>
             </a:r>
             <a:endParaRPr dirty="0"/>
           </a:p>
         </p:txBody>
       </p:sp>
     </p:spTree>
-  </p:cSld>
-  <p:clrMapOvr>
-    <a:masterClrMapping/>
-  </p:clrMapOvr>
-</p:sld>
-</file>
-
-<file path=ppt/slides/slide10.xml><?xml version="1.0" encoding="utf-8"?>
-<p:sld xmlns:a="http://schemas.openxmlformats.org/drawingml/2006/main" xmlns:r="http://schemas.openxmlformats.org/officeDocument/2006/relationships" xmlns:p="http://schemas.openxmlformats.org/presentationml/2006/main">
-  <p:cSld>
-    <p:spTree>
-      <p:nvGrpSpPr>
-        <p:cNvPr id="1" name=""/>
-        <p:cNvGrpSpPr/>
-        <p:nvPr/>
-      </p:nvGrpSpPr>
-      <p:grpSpPr>
-        <a:xfrm>
-          <a:off x="0" y="0"/>
-          <a:ext cx="0" cy="0"/>
-          <a:chOff x="0" y="0"/>
-          <a:chExt cx="0" cy="0"/>
-        </a:xfrm>
-      </p:grpSpPr>
-      <p:sp>
-        <p:nvSpPr>
-          <p:cNvPr id="2" name="Title 1"/>
-          <p:cNvSpPr>
-            <a:spLocks noGrp="1"/>
-          </p:cNvSpPr>
-          <p:nvPr>
-            <p:ph type="title"/>
-          </p:nvPr>
-        </p:nvSpPr>
-        <p:spPr>
-          <a:xfrm>
-            <a:off x="0" y="457200"/>
-            <a:ext cx="5067300" cy="727800"/>
-          </a:xfrm>
-        </p:spPr>
-        <p:txBody>
-          <a:bodyPr/>
-          <a:lstStyle/>
-          <a:p>
-            <a:r>
-              <a:rPr lang="en-US" dirty="0" err="1"/>
-              <a:t>IEnumerable</a:t>
-            </a:r>
-            <a:endParaRPr lang="en-US" dirty="0"/>
-          </a:p>
-        </p:txBody>
-      </p:sp>
-      <p:sp>
-        <p:nvSpPr>
-          <p:cNvPr id="3" name="Text Placeholder 2"/>
-          <p:cNvSpPr>
-            <a:spLocks noGrp="1"/>
-          </p:cNvSpPr>
-          <p:nvPr>
-            <p:ph type="body" idx="1"/>
-          </p:nvPr>
-        </p:nvSpPr>
-        <p:spPr>
-          <a:xfrm>
-            <a:off x="0" y="1299338"/>
-            <a:ext cx="5067300" cy="3044100"/>
-          </a:xfrm>
-        </p:spPr>
-        <p:txBody>
-          <a:bodyPr/>
-          <a:lstStyle/>
-          <a:p>
-            <a:r>
-              <a:rPr lang="en-US" dirty="0"/>
-              <a:t>Very common.</a:t>
-            </a:r>
-          </a:p>
-          <a:p>
-            <a:r>
-              <a:rPr lang="en-US" dirty="0"/>
-              <a:t>Forces your class to be enumerable</a:t>
-            </a:r>
-          </a:p>
-          <a:p>
-            <a:pPr lvl="1"/>
-            <a:r>
-              <a:rPr lang="en-US" dirty="0"/>
-              <a:t>Enumerable means that it can be iterated through (like a list).</a:t>
-            </a:r>
-          </a:p>
-        </p:txBody>
-      </p:sp>
-      <p:pic>
-        <p:nvPicPr>
-          <p:cNvPr id="4" name="Picture 3"/>
-          <p:cNvPicPr>
-            <a:picLocks noChangeAspect="1"/>
-          </p:cNvPicPr>
-          <p:nvPr/>
-        </p:nvPicPr>
-        <p:blipFill>
-          <a:blip r:embed="rId2"/>
-          <a:stretch>
-            <a:fillRect/>
-          </a:stretch>
-        </p:blipFill>
-        <p:spPr>
-          <a:xfrm>
-            <a:off x="5067300" y="821100"/>
-            <a:ext cx="3886200" cy="4229100"/>
-          </a:xfrm>
-          <a:prstGeom prst="rect">
-            <a:avLst/>
-          </a:prstGeom>
-        </p:spPr>
-      </p:pic>
-    </p:spTree>
-    <p:extLst>
-      <p:ext uri="{BB962C8B-B14F-4D97-AF65-F5344CB8AC3E}">
-        <p14:creationId xmlns:p14="http://schemas.microsoft.com/office/powerpoint/2010/main" val="889592056"/>
-      </p:ext>
-    </p:extLst>
-  </p:cSld>
-  <p:clrMapOvr>
-    <a:masterClrMapping/>
-  </p:clrMapOvr>
-</p:sld>
-</file>
-
-<file path=ppt/slides/slide11.xml><?xml version="1.0" encoding="utf-8"?>
-<p:sld xmlns:a="http://schemas.openxmlformats.org/drawingml/2006/main" xmlns:r="http://schemas.openxmlformats.org/officeDocument/2006/relationships" xmlns:p="http://schemas.openxmlformats.org/presentationml/2006/main">
-  <p:cSld>
-    <p:spTree>
-      <p:nvGrpSpPr>
-        <p:cNvPr id="1" name=""/>
-        <p:cNvGrpSpPr/>
-        <p:nvPr/>
-      </p:nvGrpSpPr>
-      <p:grpSpPr>
-        <a:xfrm>
-          <a:off x="0" y="0"/>
-          <a:ext cx="0" cy="0"/>
-          <a:chOff x="0" y="0"/>
-          <a:chExt cx="0" cy="0"/>
-        </a:xfrm>
-      </p:grpSpPr>
-      <p:sp>
-        <p:nvSpPr>
-          <p:cNvPr id="2" name="Title 1"/>
-          <p:cNvSpPr>
-            <a:spLocks noGrp="1"/>
-          </p:cNvSpPr>
-          <p:nvPr>
-            <p:ph type="title"/>
-          </p:nvPr>
-        </p:nvSpPr>
-        <p:spPr/>
-        <p:txBody>
-          <a:bodyPr/>
-          <a:lstStyle/>
-          <a:p>
-            <a:r>
-              <a:rPr lang="en-US" dirty="0"/>
-              <a:t>Custom interfaces</a:t>
-            </a:r>
-          </a:p>
-        </p:txBody>
-      </p:sp>
-      <p:sp>
-        <p:nvSpPr>
-          <p:cNvPr id="3" name="Text Placeholder 2"/>
-          <p:cNvSpPr>
-            <a:spLocks noGrp="1"/>
-          </p:cNvSpPr>
-          <p:nvPr>
-            <p:ph type="body" idx="1"/>
-          </p:nvPr>
-        </p:nvSpPr>
-        <p:spPr/>
-        <p:txBody>
-          <a:bodyPr/>
-          <a:lstStyle/>
-          <a:p>
-            <a:r>
-              <a:rPr lang="en-US" dirty="0"/>
-              <a:t>Lets us dictate what we can and cannot do with our code.</a:t>
-            </a:r>
-          </a:p>
-        </p:txBody>
-      </p:sp>
-      <p:pic>
-        <p:nvPicPr>
-          <p:cNvPr id="4" name="Picture 3"/>
-          <p:cNvPicPr>
-            <a:picLocks noChangeAspect="1"/>
-          </p:cNvPicPr>
-          <p:nvPr/>
-        </p:nvPicPr>
-        <p:blipFill>
-          <a:blip r:embed="rId2"/>
-          <a:stretch>
-            <a:fillRect/>
-          </a:stretch>
-        </p:blipFill>
-        <p:spPr>
-          <a:xfrm>
-            <a:off x="292811" y="2398493"/>
-            <a:ext cx="3324225" cy="1628775"/>
-          </a:xfrm>
-          <a:prstGeom prst="rect">
-            <a:avLst/>
-          </a:prstGeom>
-        </p:spPr>
-      </p:pic>
-      <p:pic>
-        <p:nvPicPr>
-          <p:cNvPr id="5" name="Picture 4"/>
-          <p:cNvPicPr>
-            <a:picLocks noChangeAspect="1"/>
-          </p:cNvPicPr>
-          <p:nvPr/>
-        </p:nvPicPr>
-        <p:blipFill>
-          <a:blip r:embed="rId3"/>
-          <a:stretch>
-            <a:fillRect/>
-          </a:stretch>
-        </p:blipFill>
-        <p:spPr>
-          <a:xfrm>
-            <a:off x="4032956" y="2050338"/>
-            <a:ext cx="4810125" cy="2619375"/>
-          </a:xfrm>
-          <a:prstGeom prst="rect">
-            <a:avLst/>
-          </a:prstGeom>
-        </p:spPr>
-      </p:pic>
-    </p:spTree>
-    <p:extLst>
-      <p:ext uri="{BB962C8B-B14F-4D97-AF65-F5344CB8AC3E}">
-        <p14:creationId xmlns:p14="http://schemas.microsoft.com/office/powerpoint/2010/main" val="196613708"/>
-      </p:ext>
-    </p:extLst>
-  </p:cSld>
-  <p:clrMapOvr>
-    <a:masterClrMapping/>
-  </p:clrMapOvr>
-</p:sld>
-</file>
-
-<file path=ppt/slides/slide12.xml><?xml version="1.0" encoding="utf-8"?>
-<p:sld xmlns:a="http://schemas.openxmlformats.org/drawingml/2006/main" xmlns:r="http://schemas.openxmlformats.org/officeDocument/2006/relationships" xmlns:p="http://schemas.openxmlformats.org/presentationml/2006/main">
-  <p:cSld>
-    <p:spTree>
-      <p:nvGrpSpPr>
-        <p:cNvPr id="1" name=""/>
-        <p:cNvGrpSpPr/>
-        <p:nvPr/>
-      </p:nvGrpSpPr>
-      <p:grpSpPr>
-        <a:xfrm>
-          <a:off x="0" y="0"/>
-          <a:ext cx="0" cy="0"/>
-          <a:chOff x="0" y="0"/>
-          <a:chExt cx="0" cy="0"/>
-        </a:xfrm>
-      </p:grpSpPr>
-      <p:sp>
-        <p:nvSpPr>
-          <p:cNvPr id="2" name="Title 1"/>
-          <p:cNvSpPr>
-            <a:spLocks noGrp="1"/>
-          </p:cNvSpPr>
-          <p:nvPr>
-            <p:ph type="title"/>
-          </p:nvPr>
-        </p:nvSpPr>
-        <p:spPr/>
-        <p:txBody>
-          <a:bodyPr/>
-          <a:lstStyle/>
-          <a:p>
-            <a:r>
-              <a:rPr lang="en-US" dirty="0"/>
-              <a:t>Example</a:t>
-            </a:r>
-          </a:p>
-        </p:txBody>
-      </p:sp>
-      <p:sp>
-        <p:nvSpPr>
-          <p:cNvPr id="3" name="Text Placeholder 2"/>
-          <p:cNvSpPr>
-            <a:spLocks noGrp="1"/>
-          </p:cNvSpPr>
-          <p:nvPr>
-            <p:ph type="body" idx="1"/>
-          </p:nvPr>
-        </p:nvSpPr>
-        <p:spPr/>
-        <p:txBody>
-          <a:bodyPr/>
-          <a:lstStyle/>
-          <a:p>
-            <a:r>
-              <a:rPr lang="en-US" dirty="0"/>
-              <a:t>Utilities class.</a:t>
-            </a:r>
-          </a:p>
-          <a:p>
-            <a:pPr lvl="1"/>
-            <a:r>
-              <a:rPr lang="en-US" dirty="0"/>
-              <a:t>Contains lots of functions that are used regularly throughout your program.</a:t>
-            </a:r>
-          </a:p>
-          <a:p>
-            <a:pPr lvl="1"/>
-            <a:r>
-              <a:rPr lang="en-US" dirty="0"/>
-              <a:t>Example: Print method for anything inheriting from </a:t>
-            </a:r>
-            <a:r>
-              <a:rPr lang="en-US" dirty="0" err="1"/>
-              <a:t>IEnumerable</a:t>
-            </a:r>
-            <a:endParaRPr lang="en-US" dirty="0"/>
-          </a:p>
-        </p:txBody>
-      </p:sp>
-    </p:spTree>
-    <p:extLst>
-      <p:ext uri="{BB962C8B-B14F-4D97-AF65-F5344CB8AC3E}">
-        <p14:creationId xmlns:p14="http://schemas.microsoft.com/office/powerpoint/2010/main" val="706618564"/>
-      </p:ext>
-    </p:extLst>
-  </p:cSld>
-  <p:clrMapOvr>
-    <a:masterClrMapping/>
-  </p:clrMapOvr>
-</p:sld>
-</file>
-
-<file path=ppt/slides/slide13.xml><?xml version="1.0" encoding="utf-8"?>
-<p:sld xmlns:a="http://schemas.openxmlformats.org/drawingml/2006/main" xmlns:r="http://schemas.openxmlformats.org/officeDocument/2006/relationships" xmlns:p="http://schemas.openxmlformats.org/presentationml/2006/main">
-  <p:cSld>
-    <p:spTree>
-      <p:nvGrpSpPr>
-        <p:cNvPr id="1" name=""/>
-        <p:cNvGrpSpPr/>
-        <p:nvPr/>
-      </p:nvGrpSpPr>
-      <p:grpSpPr>
-        <a:xfrm>
-          <a:off x="0" y="0"/>
-          <a:ext cx="0" cy="0"/>
-          <a:chOff x="0" y="0"/>
-          <a:chExt cx="0" cy="0"/>
-        </a:xfrm>
-      </p:grpSpPr>
-      <p:pic>
-        <p:nvPicPr>
-          <p:cNvPr id="4" name="Picture 3"/>
-          <p:cNvPicPr>
-            <a:picLocks noChangeAspect="1"/>
-          </p:cNvPicPr>
-          <p:nvPr/>
-        </p:nvPicPr>
-        <p:blipFill>
-          <a:blip r:embed="rId2"/>
-          <a:stretch>
-            <a:fillRect/>
-          </a:stretch>
-        </p:blipFill>
-        <p:spPr>
-          <a:xfrm>
-            <a:off x="683173" y="261657"/>
-            <a:ext cx="7920037" cy="4675413"/>
-          </a:xfrm>
-          <a:prstGeom prst="rect">
-            <a:avLst/>
-          </a:prstGeom>
-        </p:spPr>
-      </p:pic>
-    </p:spTree>
-    <p:extLst>
-      <p:ext uri="{BB962C8B-B14F-4D97-AF65-F5344CB8AC3E}">
-        <p14:creationId xmlns:p14="http://schemas.microsoft.com/office/powerpoint/2010/main" val="3513941282"/>
-      </p:ext>
-    </p:extLst>
-  </p:cSld>
-  <p:clrMapOvr>
-    <a:masterClrMapping/>
-  </p:clrMapOvr>
-</p:sld>
-</file>
-
-<file path=ppt/slides/slide14.xml><?xml version="1.0" encoding="utf-8"?>
-<p:sld xmlns:a="http://schemas.openxmlformats.org/drawingml/2006/main" xmlns:r="http://schemas.openxmlformats.org/officeDocument/2006/relationships" xmlns:p="http://schemas.openxmlformats.org/presentationml/2006/main">
-  <p:cSld>
-    <p:spTree>
-      <p:nvGrpSpPr>
-        <p:cNvPr id="1" name=""/>
-        <p:cNvGrpSpPr/>
-        <p:nvPr/>
-      </p:nvGrpSpPr>
-      <p:grpSpPr>
-        <a:xfrm>
-          <a:off x="0" y="0"/>
-          <a:ext cx="0" cy="0"/>
-          <a:chOff x="0" y="0"/>
-          <a:chExt cx="0" cy="0"/>
-        </a:xfrm>
-      </p:grpSpPr>
-      <p:sp>
-        <p:nvSpPr>
-          <p:cNvPr id="2" name="Title 1"/>
-          <p:cNvSpPr>
-            <a:spLocks noGrp="1"/>
-          </p:cNvSpPr>
-          <p:nvPr>
-            <p:ph type="title"/>
-          </p:nvPr>
-        </p:nvSpPr>
-        <p:spPr/>
-        <p:txBody>
-          <a:bodyPr/>
-          <a:lstStyle/>
-          <a:p>
-            <a:r>
-              <a:rPr lang="en-US" dirty="0"/>
-              <a:t>Requiring behaviors of T</a:t>
-            </a:r>
-          </a:p>
-        </p:txBody>
-      </p:sp>
-      <p:sp>
-        <p:nvSpPr>
-          <p:cNvPr id="3" name="Text Placeholder 2"/>
-          <p:cNvSpPr>
-            <a:spLocks noGrp="1"/>
-          </p:cNvSpPr>
-          <p:nvPr>
-            <p:ph type="body" idx="1"/>
-          </p:nvPr>
-        </p:nvSpPr>
-        <p:spPr/>
-        <p:txBody>
-          <a:bodyPr/>
-          <a:lstStyle/>
-          <a:p>
-            <a:r>
-              <a:rPr lang="en-US" dirty="0"/>
-              <a:t>Sometimes, you want to require that every generic class “T” that you handle has certain behaviors.</a:t>
-            </a:r>
-          </a:p>
-          <a:p>
-            <a:r>
-              <a:rPr lang="en-US" dirty="0"/>
-              <a:t>Perhaps we want every type of T to be easily printable.</a:t>
-            </a:r>
-          </a:p>
-          <a:p>
-            <a:pPr lvl="1"/>
-            <a:r>
-              <a:rPr lang="en-US" dirty="0"/>
-              <a:t>So we require that every T inherits from </a:t>
-            </a:r>
-            <a:r>
-              <a:rPr lang="en-US" dirty="0" err="1"/>
-              <a:t>IPrintable</a:t>
-            </a:r>
-            <a:endParaRPr lang="en-US" dirty="0"/>
-          </a:p>
-        </p:txBody>
-      </p:sp>
-      <p:pic>
-        <p:nvPicPr>
-          <p:cNvPr id="4" name="Picture 3"/>
-          <p:cNvPicPr>
-            <a:picLocks noChangeAspect="1"/>
-          </p:cNvPicPr>
-          <p:nvPr/>
-        </p:nvPicPr>
-        <p:blipFill>
-          <a:blip r:embed="rId2"/>
-          <a:stretch>
-            <a:fillRect/>
-          </a:stretch>
-        </p:blipFill>
-        <p:spPr>
-          <a:xfrm>
-            <a:off x="1380468" y="2719438"/>
-            <a:ext cx="6460249" cy="2270512"/>
-          </a:xfrm>
-          <a:prstGeom prst="rect">
-            <a:avLst/>
-          </a:prstGeom>
-        </p:spPr>
-      </p:pic>
-    </p:spTree>
-    <p:extLst>
-      <p:ext uri="{BB962C8B-B14F-4D97-AF65-F5344CB8AC3E}">
-        <p14:creationId xmlns:p14="http://schemas.microsoft.com/office/powerpoint/2010/main" val="3124146372"/>
-      </p:ext>
-    </p:extLst>
-  </p:cSld>
-  <p:clrMapOvr>
-    <a:masterClrMapping/>
-  </p:clrMapOvr>
-</p:sld>
-</file>
-
-<file path=ppt/slides/slide15.xml><?xml version="1.0" encoding="utf-8"?>
-<p:sld xmlns:a="http://schemas.openxmlformats.org/drawingml/2006/main" xmlns:r="http://schemas.openxmlformats.org/officeDocument/2006/relationships" xmlns:p="http://schemas.openxmlformats.org/presentationml/2006/main">
-  <p:cSld>
-    <p:spTree>
-      <p:nvGrpSpPr>
-        <p:cNvPr id="1" name=""/>
-        <p:cNvGrpSpPr/>
-        <p:nvPr/>
-      </p:nvGrpSpPr>
-      <p:grpSpPr>
-        <a:xfrm>
-          <a:off x="0" y="0"/>
-          <a:ext cx="0" cy="0"/>
-          <a:chOff x="0" y="0"/>
-          <a:chExt cx="0" cy="0"/>
-        </a:xfrm>
-      </p:grpSpPr>
-      <p:sp>
-        <p:nvSpPr>
-          <p:cNvPr id="2" name="Title 1"/>
-          <p:cNvSpPr>
-            <a:spLocks noGrp="1"/>
-          </p:cNvSpPr>
-          <p:nvPr>
-            <p:ph type="title"/>
-          </p:nvPr>
-        </p:nvSpPr>
-        <p:spPr/>
-        <p:txBody>
-          <a:bodyPr/>
-          <a:lstStyle/>
-          <a:p>
-            <a:r>
-              <a:rPr lang="en-US" dirty="0"/>
-              <a:t>Real world example</a:t>
-            </a:r>
-          </a:p>
-        </p:txBody>
-      </p:sp>
-      <p:sp>
-        <p:nvSpPr>
-          <p:cNvPr id="3" name="Text Placeholder 2"/>
-          <p:cNvSpPr>
-            <a:spLocks noGrp="1"/>
-          </p:cNvSpPr>
-          <p:nvPr>
-            <p:ph type="body" idx="1"/>
-          </p:nvPr>
-        </p:nvSpPr>
-        <p:spPr/>
-        <p:txBody>
-          <a:bodyPr/>
-          <a:lstStyle/>
-          <a:p>
-            <a:r>
-              <a:rPr lang="en-US" dirty="0"/>
-              <a:t>Demo of thesis</a:t>
-            </a:r>
-          </a:p>
-          <a:p>
-            <a:r>
-              <a:rPr lang="en-US" dirty="0">
-                <a:hlinkClick r:id="rId2"/>
-              </a:rPr>
-              <a:t>https://github.com/darrare/MS-Thesis</a:t>
-            </a:r>
-            <a:endParaRPr lang="en-US" dirty="0"/>
-          </a:p>
-          <a:p>
-            <a:endParaRPr lang="en-US" dirty="0"/>
-          </a:p>
-        </p:txBody>
-      </p:sp>
-    </p:spTree>
-    <p:extLst>
-      <p:ext uri="{BB962C8B-B14F-4D97-AF65-F5344CB8AC3E}">
-        <p14:creationId xmlns:p14="http://schemas.microsoft.com/office/powerpoint/2010/main" val="4266499109"/>
-      </p:ext>
-    </p:extLst>
   </p:cSld>
   <p:clrMapOvr>
     <a:masterClrMapping/>
@@ -23561,7 +22958,7 @@
             </a:pPr>
             <a:r>
               <a:rPr lang="en" dirty="0"/>
-              <a:t>What is generic?</a:t>
+              <a:t>Recursion!</a:t>
             </a:r>
             <a:endParaRPr dirty="0"/>
           </a:p>
@@ -23584,13 +22981,22 @@
           <a:p>
             <a:r>
               <a:rPr lang="en-US" dirty="0"/>
-              <a:t>A class or method that doesn’t care what data type it is comprised of.</a:t>
+              <a:t>When a method calls itself to solve some problem.</a:t>
+            </a:r>
+          </a:p>
+          <a:p>
+            <a:endParaRPr lang="en-US" dirty="0"/>
+          </a:p>
+          <a:p>
+            <a:r>
+              <a:rPr lang="en-US" dirty="0"/>
+              <a:t>MUST HAVE AN EXIT CONDITION!</a:t>
             </a:r>
           </a:p>
           <a:p>
             <a:r>
               <a:rPr lang="en-US" dirty="0"/>
-              <a:t>At compile time, the compiler will create every necessary class type for you.</a:t>
+              <a:t>Failure to do so will result in a stack overflow exception.</a:t>
             </a:r>
           </a:p>
         </p:txBody>
@@ -23620,50 +23026,15 @@
           <a:chExt cx="0" cy="0"/>
         </a:xfrm>
       </p:grpSpPr>
-      <p:sp>
-        <p:nvSpPr>
-          <p:cNvPr id="2" name="Title 1"/>
-          <p:cNvSpPr>
-            <a:spLocks noGrp="1"/>
-          </p:cNvSpPr>
-          <p:nvPr>
-            <p:ph type="title"/>
-          </p:nvPr>
-        </p:nvSpPr>
-        <p:spPr/>
-        <p:txBody>
-          <a:bodyPr/>
-          <a:lstStyle/>
-          <a:p>
-            <a:r>
-              <a:rPr lang="en-US" dirty="0"/>
-              <a:t>The wrong way</a:t>
-            </a:r>
-          </a:p>
-        </p:txBody>
-      </p:sp>
-      <p:sp>
-        <p:nvSpPr>
-          <p:cNvPr id="3" name="Text Placeholder 2"/>
-          <p:cNvSpPr>
-            <a:spLocks noGrp="1"/>
-          </p:cNvSpPr>
-          <p:nvPr>
-            <p:ph type="body" idx="1"/>
-          </p:nvPr>
-        </p:nvSpPr>
-        <p:spPr/>
-        <p:txBody>
-          <a:bodyPr/>
-          <a:lstStyle/>
-          <a:p>
-            <a:endParaRPr lang="en-US"/>
-          </a:p>
-        </p:txBody>
-      </p:sp>
       <p:pic>
         <p:nvPicPr>
-          <p:cNvPr id="4" name="Picture 3"/>
+          <p:cNvPr id="4" name="Picture 3">
+            <a:extLst>
+              <a:ext uri="{FF2B5EF4-FFF2-40B4-BE49-F238E27FC236}">
+                <a16:creationId xmlns:a16="http://schemas.microsoft.com/office/drawing/2014/main" id="{3594CBFD-C013-4428-B1BA-984488F91A8A}"/>
+              </a:ext>
+            </a:extLst>
+          </p:cNvPr>
           <p:cNvPicPr>
             <a:picLocks noChangeAspect="1"/>
           </p:cNvPicPr>
@@ -23677,8 +23048,8 @@
         </p:blipFill>
         <p:spPr>
           <a:xfrm>
-            <a:off x="358101" y="1185000"/>
-            <a:ext cx="8502119" cy="3760552"/>
+            <a:off x="2114977" y="136204"/>
+            <a:ext cx="4914046" cy="4871091"/>
           </a:xfrm>
           <a:prstGeom prst="rect">
             <a:avLst/>
@@ -23688,7 +23059,7 @@
     </p:spTree>
     <p:extLst>
       <p:ext uri="{BB962C8B-B14F-4D97-AF65-F5344CB8AC3E}">
-        <p14:creationId xmlns:p14="http://schemas.microsoft.com/office/powerpoint/2010/main" val="2638432758"/>
+        <p14:creationId xmlns:p14="http://schemas.microsoft.com/office/powerpoint/2010/main" val="3416957823"/>
       </p:ext>
     </p:extLst>
   </p:cSld>
@@ -23715,31 +23086,15 @@
           <a:chExt cx="0" cy="0"/>
         </a:xfrm>
       </p:grpSpPr>
-      <p:sp>
-        <p:nvSpPr>
-          <p:cNvPr id="2" name="Title 1"/>
-          <p:cNvSpPr>
-            <a:spLocks noGrp="1"/>
-          </p:cNvSpPr>
-          <p:nvPr>
-            <p:ph type="title"/>
-          </p:nvPr>
-        </p:nvSpPr>
-        <p:spPr/>
-        <p:txBody>
-          <a:bodyPr/>
-          <a:lstStyle/>
-          <a:p>
-            <a:r>
-              <a:rPr lang="en-US" dirty="0"/>
-              <a:t>The wrong way</a:t>
-            </a:r>
-          </a:p>
-        </p:txBody>
-      </p:sp>
       <p:pic>
         <p:nvPicPr>
-          <p:cNvPr id="5" name="Picture 4"/>
+          <p:cNvPr id="5" name="Picture 4">
+            <a:extLst>
+              <a:ext uri="{FF2B5EF4-FFF2-40B4-BE49-F238E27FC236}">
+                <a16:creationId xmlns:a16="http://schemas.microsoft.com/office/drawing/2014/main" id="{B66C950C-22CF-4D4D-960B-DCC66E19D95C}"/>
+              </a:ext>
+            </a:extLst>
+          </p:cNvPr>
           <p:cNvPicPr>
             <a:picLocks noChangeAspect="1"/>
           </p:cNvPicPr>
@@ -23753,8 +23108,8 @@
         </p:blipFill>
         <p:spPr>
           <a:xfrm>
-            <a:off x="1573755" y="1185000"/>
-            <a:ext cx="5988382" cy="3872033"/>
+            <a:off x="8888" y="1757249"/>
+            <a:ext cx="9126224" cy="1629002"/>
           </a:xfrm>
           <a:prstGeom prst="rect">
             <a:avLst/>
@@ -23764,7 +23119,7 @@
     </p:spTree>
     <p:extLst>
       <p:ext uri="{BB962C8B-B14F-4D97-AF65-F5344CB8AC3E}">
-        <p14:creationId xmlns:p14="http://schemas.microsoft.com/office/powerpoint/2010/main" val="2060079190"/>
+        <p14:creationId xmlns:p14="http://schemas.microsoft.com/office/powerpoint/2010/main" val="1109220770"/>
       </p:ext>
     </p:extLst>
   </p:cSld>
@@ -23793,7 +23148,13 @@
       </p:grpSpPr>
       <p:sp>
         <p:nvSpPr>
-          <p:cNvPr id="2" name="Title 1"/>
+          <p:cNvPr id="2" name="Title 1">
+            <a:extLst>
+              <a:ext uri="{FF2B5EF4-FFF2-40B4-BE49-F238E27FC236}">
+                <a16:creationId xmlns:a16="http://schemas.microsoft.com/office/drawing/2014/main" id="{196AE8AD-6EC1-4ECB-B324-917361D99514}"/>
+              </a:ext>
+            </a:extLst>
+          </p:cNvPr>
           <p:cNvSpPr>
             <a:spLocks noGrp="1"/>
           </p:cNvSpPr>
@@ -23808,185 +23169,20 @@
           <a:p>
             <a:r>
               <a:rPr lang="en-US" dirty="0"/>
-              <a:t>The right way</a:t>
+              <a:t>Lab</a:t>
             </a:r>
           </a:p>
         </p:txBody>
       </p:sp>
       <p:sp>
         <p:nvSpPr>
-          <p:cNvPr id="3" name="Text Placeholder 2"/>
-          <p:cNvSpPr>
-            <a:spLocks noGrp="1"/>
-          </p:cNvSpPr>
-          <p:nvPr>
-            <p:ph type="body" idx="1"/>
-          </p:nvPr>
-        </p:nvSpPr>
-        <p:spPr/>
-        <p:txBody>
-          <a:bodyPr/>
-          <a:lstStyle/>
-          <a:p>
-            <a:endParaRPr lang="en-US"/>
-          </a:p>
-        </p:txBody>
-      </p:sp>
-      <p:pic>
-        <p:nvPicPr>
-          <p:cNvPr id="4" name="Picture 3"/>
-          <p:cNvPicPr>
-            <a:picLocks noChangeAspect="1"/>
-          </p:cNvPicPr>
-          <p:nvPr/>
-        </p:nvPicPr>
-        <p:blipFill>
-          <a:blip r:embed="rId2"/>
-          <a:stretch>
-            <a:fillRect/>
-          </a:stretch>
-        </p:blipFill>
-        <p:spPr>
-          <a:xfrm>
-            <a:off x="157655" y="1299338"/>
-            <a:ext cx="8881241" cy="2860848"/>
-          </a:xfrm>
-          <a:prstGeom prst="rect">
-            <a:avLst/>
-          </a:prstGeom>
-        </p:spPr>
-      </p:pic>
-    </p:spTree>
-    <p:extLst>
-      <p:ext uri="{BB962C8B-B14F-4D97-AF65-F5344CB8AC3E}">
-        <p14:creationId xmlns:p14="http://schemas.microsoft.com/office/powerpoint/2010/main" val="3852442720"/>
-      </p:ext>
-    </p:extLst>
-  </p:cSld>
-  <p:clrMapOvr>
-    <a:masterClrMapping/>
-  </p:clrMapOvr>
-</p:sld>
-</file>
-
-<file path=ppt/slides/slide6.xml><?xml version="1.0" encoding="utf-8"?>
-<p:sld xmlns:a="http://schemas.openxmlformats.org/drawingml/2006/main" xmlns:r="http://schemas.openxmlformats.org/officeDocument/2006/relationships" xmlns:p="http://schemas.openxmlformats.org/presentationml/2006/main">
-  <p:cSld>
-    <p:spTree>
-      <p:nvGrpSpPr>
-        <p:cNvPr id="1" name=""/>
-        <p:cNvGrpSpPr/>
-        <p:nvPr/>
-      </p:nvGrpSpPr>
-      <p:grpSpPr>
-        <a:xfrm>
-          <a:off x="0" y="0"/>
-          <a:ext cx="0" cy="0"/>
-          <a:chOff x="0" y="0"/>
-          <a:chExt cx="0" cy="0"/>
-        </a:xfrm>
-      </p:grpSpPr>
-      <p:sp>
-        <p:nvSpPr>
-          <p:cNvPr id="2" name="Title 1"/>
-          <p:cNvSpPr>
-            <a:spLocks noGrp="1"/>
-          </p:cNvSpPr>
-          <p:nvPr>
-            <p:ph type="title"/>
-          </p:nvPr>
-        </p:nvSpPr>
-        <p:spPr/>
-        <p:txBody>
-          <a:bodyPr/>
-          <a:lstStyle/>
-          <a:p>
-            <a:r>
-              <a:rPr lang="en-US" dirty="0"/>
-              <a:t>The right way</a:t>
-            </a:r>
-          </a:p>
-        </p:txBody>
-      </p:sp>
-      <p:pic>
-        <p:nvPicPr>
-          <p:cNvPr id="5" name="Picture 4"/>
-          <p:cNvPicPr>
-            <a:picLocks noChangeAspect="1"/>
-          </p:cNvPicPr>
-          <p:nvPr/>
-        </p:nvPicPr>
-        <p:blipFill>
-          <a:blip r:embed="rId2"/>
-          <a:stretch>
-            <a:fillRect/>
-          </a:stretch>
-        </p:blipFill>
-        <p:spPr>
-          <a:xfrm>
-            <a:off x="2037662" y="1185000"/>
-            <a:ext cx="5060567" cy="3825065"/>
-          </a:xfrm>
-          <a:prstGeom prst="rect">
-            <a:avLst/>
-          </a:prstGeom>
-        </p:spPr>
-      </p:pic>
-    </p:spTree>
-    <p:extLst>
-      <p:ext uri="{BB962C8B-B14F-4D97-AF65-F5344CB8AC3E}">
-        <p14:creationId xmlns:p14="http://schemas.microsoft.com/office/powerpoint/2010/main" val="3779224619"/>
-      </p:ext>
-    </p:extLst>
-  </p:cSld>
-  <p:clrMapOvr>
-    <a:masterClrMapping/>
-  </p:clrMapOvr>
-</p:sld>
-</file>
-
-<file path=ppt/slides/slide7.xml><?xml version="1.0" encoding="utf-8"?>
-<p:sld xmlns:a="http://schemas.openxmlformats.org/drawingml/2006/main" xmlns:r="http://schemas.openxmlformats.org/officeDocument/2006/relationships" xmlns:p="http://schemas.openxmlformats.org/presentationml/2006/main">
-  <p:cSld>
-    <p:spTree>
-      <p:nvGrpSpPr>
-        <p:cNvPr id="1" name=""/>
-        <p:cNvGrpSpPr/>
-        <p:nvPr/>
-      </p:nvGrpSpPr>
-      <p:grpSpPr>
-        <a:xfrm>
-          <a:off x="0" y="0"/>
-          <a:ext cx="0" cy="0"/>
-          <a:chOff x="0" y="0"/>
-          <a:chExt cx="0" cy="0"/>
-        </a:xfrm>
-      </p:grpSpPr>
-      <p:sp>
-        <p:nvSpPr>
-          <p:cNvPr id="2" name="Title 1"/>
-          <p:cNvSpPr>
-            <a:spLocks noGrp="1"/>
-          </p:cNvSpPr>
-          <p:nvPr>
-            <p:ph type="title"/>
-          </p:nvPr>
-        </p:nvSpPr>
-        <p:spPr/>
-        <p:txBody>
-          <a:bodyPr/>
-          <a:lstStyle/>
-          <a:p>
-            <a:r>
-              <a:rPr lang="en-US" dirty="0"/>
-              <a:t>Generic Methods</a:t>
-            </a:r>
-          </a:p>
-        </p:txBody>
-      </p:sp>
-      <p:sp>
-        <p:nvSpPr>
-          <p:cNvPr id="3" name="Text Placeholder 2"/>
+          <p:cNvPr id="3" name="Text Placeholder 2">
+            <a:extLst>
+              <a:ext uri="{FF2B5EF4-FFF2-40B4-BE49-F238E27FC236}">
+                <a16:creationId xmlns:a16="http://schemas.microsoft.com/office/drawing/2014/main" id="{6E93473F-69BC-4554-9952-D144400ECE2B}"/>
+              </a:ext>
+            </a:extLst>
+          </p:cNvPr>
           <p:cNvSpPr>
             <a:spLocks noGrp="1"/>
           </p:cNvSpPr>
@@ -24001,7 +23197,36 @@
           <a:p>
             <a:r>
               <a:rPr lang="en-US" dirty="0"/>
-              <a:t>Instead of writing a method 50 times for 50 different data types, write it once!</a:t>
+              <a:t>On canvas there is a zip file containing a fairly interesting folder structure with a single file hidden inside.</a:t>
+            </a:r>
+          </a:p>
+          <a:p>
+            <a:r>
+              <a:rPr lang="en-US" dirty="0"/>
+              <a:t>Your objective is to use </a:t>
+            </a:r>
+            <a:r>
+              <a:rPr lang="en-US" dirty="0" err="1"/>
+              <a:t>FileIO</a:t>
+            </a:r>
+            <a:r>
+              <a:rPr lang="en-US" dirty="0"/>
+              <a:t> and Recursion to find the path of the file.</a:t>
+            </a:r>
+          </a:p>
+          <a:p>
+            <a:endParaRPr lang="en-US" dirty="0"/>
+          </a:p>
+          <a:p>
+            <a:r>
+              <a:rPr lang="en-US" dirty="0"/>
+              <a:t>FYI, when I was creating this lab I created almost 10 million folders on my computer… 5 folders 10 layers deep… 5^10</a:t>
+            </a:r>
+          </a:p>
+          <a:p>
+            <a:r>
+              <a:rPr lang="en-US" dirty="0"/>
+              <a:t>Changing to 3 folders 10 layers deep gives 3^10 which is about 60,000 folders to look through!</a:t>
             </a:r>
           </a:p>
         </p:txBody>
@@ -24009,156 +23234,7 @@
     </p:spTree>
     <p:extLst>
       <p:ext uri="{BB962C8B-B14F-4D97-AF65-F5344CB8AC3E}">
-        <p14:creationId xmlns:p14="http://schemas.microsoft.com/office/powerpoint/2010/main" val="2878092478"/>
-      </p:ext>
-    </p:extLst>
-  </p:cSld>
-  <p:clrMapOvr>
-    <a:masterClrMapping/>
-  </p:clrMapOvr>
-</p:sld>
-</file>
-
-<file path=ppt/slides/slide8.xml><?xml version="1.0" encoding="utf-8"?>
-<p:sld xmlns:a="http://schemas.openxmlformats.org/drawingml/2006/main" xmlns:r="http://schemas.openxmlformats.org/officeDocument/2006/relationships" xmlns:p="http://schemas.openxmlformats.org/presentationml/2006/main">
-  <p:cSld>
-    <p:spTree>
-      <p:nvGrpSpPr>
-        <p:cNvPr id="1" name=""/>
-        <p:cNvGrpSpPr/>
-        <p:nvPr/>
-      </p:nvGrpSpPr>
-      <p:grpSpPr>
-        <a:xfrm>
-          <a:off x="0" y="0"/>
-          <a:ext cx="0" cy="0"/>
-          <a:chOff x="0" y="0"/>
-          <a:chExt cx="0" cy="0"/>
-        </a:xfrm>
-      </p:grpSpPr>
-      <p:pic>
-        <p:nvPicPr>
-          <p:cNvPr id="4" name="Picture 3"/>
-          <p:cNvPicPr>
-            <a:picLocks noChangeAspect="1"/>
-          </p:cNvPicPr>
-          <p:nvPr/>
-        </p:nvPicPr>
-        <p:blipFill>
-          <a:blip r:embed="rId2"/>
-          <a:stretch>
-            <a:fillRect/>
-          </a:stretch>
-        </p:blipFill>
-        <p:spPr>
-          <a:xfrm>
-            <a:off x="1843087" y="185737"/>
-            <a:ext cx="5457825" cy="4772025"/>
-          </a:xfrm>
-          <a:prstGeom prst="rect">
-            <a:avLst/>
-          </a:prstGeom>
-        </p:spPr>
-      </p:pic>
-    </p:spTree>
-    <p:extLst>
-      <p:ext uri="{BB962C8B-B14F-4D97-AF65-F5344CB8AC3E}">
-        <p14:creationId xmlns:p14="http://schemas.microsoft.com/office/powerpoint/2010/main" val="1589420017"/>
-      </p:ext>
-    </p:extLst>
-  </p:cSld>
-  <p:clrMapOvr>
-    <a:masterClrMapping/>
-  </p:clrMapOvr>
-</p:sld>
-</file>
-
-<file path=ppt/slides/slide9.xml><?xml version="1.0" encoding="utf-8"?>
-<p:sld xmlns:a="http://schemas.openxmlformats.org/drawingml/2006/main" xmlns:r="http://schemas.openxmlformats.org/officeDocument/2006/relationships" xmlns:p="http://schemas.openxmlformats.org/presentationml/2006/main">
-  <p:cSld>
-    <p:spTree>
-      <p:nvGrpSpPr>
-        <p:cNvPr id="1" name=""/>
-        <p:cNvGrpSpPr/>
-        <p:nvPr/>
-      </p:nvGrpSpPr>
-      <p:grpSpPr>
-        <a:xfrm>
-          <a:off x="0" y="0"/>
-          <a:ext cx="0" cy="0"/>
-          <a:chOff x="0" y="0"/>
-          <a:chExt cx="0" cy="0"/>
-        </a:xfrm>
-      </p:grpSpPr>
-      <p:sp>
-        <p:nvSpPr>
-          <p:cNvPr id="2" name="Title 1"/>
-          <p:cNvSpPr>
-            <a:spLocks noGrp="1"/>
-          </p:cNvSpPr>
-          <p:nvPr>
-            <p:ph type="title"/>
-          </p:nvPr>
-        </p:nvSpPr>
-        <p:spPr/>
-        <p:txBody>
-          <a:bodyPr/>
-          <a:lstStyle/>
-          <a:p>
-            <a:r>
-              <a:rPr lang="en-US" dirty="0"/>
-              <a:t>Interfaces</a:t>
-            </a:r>
-          </a:p>
-        </p:txBody>
-      </p:sp>
-      <p:sp>
-        <p:nvSpPr>
-          <p:cNvPr id="3" name="Text Placeholder 2"/>
-          <p:cNvSpPr>
-            <a:spLocks noGrp="1"/>
-          </p:cNvSpPr>
-          <p:nvPr>
-            <p:ph type="body" idx="1"/>
-          </p:nvPr>
-        </p:nvSpPr>
-        <p:spPr/>
-        <p:txBody>
-          <a:bodyPr/>
-          <a:lstStyle/>
-          <a:p>
-            <a:r>
-              <a:rPr lang="en-US" dirty="0"/>
-              <a:t>Similar to abstract classes.</a:t>
-            </a:r>
-          </a:p>
-          <a:p>
-            <a:r>
-              <a:rPr lang="en-US" dirty="0"/>
-              <a:t>Forces an object to implement certain behaviors.</a:t>
-            </a:r>
-          </a:p>
-          <a:p>
-            <a:r>
-              <a:rPr lang="en-US" dirty="0"/>
-              <a:t>Creates polymorphism among similar objects.</a:t>
-            </a:r>
-          </a:p>
-          <a:p>
-            <a:r>
-              <a:rPr lang="en-US" dirty="0"/>
-              <a:t>While you can only ever inherit from 1 class, you can inherit from unlimited interfaces.</a:t>
-            </a:r>
-          </a:p>
-          <a:p>
-            <a:endParaRPr lang="en-US" dirty="0"/>
-          </a:p>
-        </p:txBody>
-      </p:sp>
-    </p:spTree>
-    <p:extLst>
-      <p:ext uri="{BB962C8B-B14F-4D97-AF65-F5344CB8AC3E}">
-        <p14:creationId xmlns:p14="http://schemas.microsoft.com/office/powerpoint/2010/main" val="1349266756"/>
+        <p14:creationId xmlns:p14="http://schemas.microsoft.com/office/powerpoint/2010/main" val="1485592930"/>
       </p:ext>
     </p:extLst>
   </p:cSld>

--- a/Documents/Powerpoints/3.1 Recursion.pptx
+++ b/Documents/Powerpoints/3.1 Recursion.pptx
@@ -5,21 +5,25 @@
     <p:sldMasterId id="2147483666" r:id="rId1"/>
   </p:sldMasterIdLst>
   <p:notesMasterIdLst>
-    <p:notesMasterId r:id="rId7"/>
+    <p:notesMasterId r:id="rId11"/>
   </p:notesMasterIdLst>
   <p:sldIdLst>
     <p:sldId id="256" r:id="rId2"/>
     <p:sldId id="257" r:id="rId3"/>
-    <p:sldId id="264" r:id="rId4"/>
-    <p:sldId id="265" r:id="rId5"/>
-    <p:sldId id="263" r:id="rId6"/>
+    <p:sldId id="267" r:id="rId4"/>
+    <p:sldId id="269" r:id="rId5"/>
+    <p:sldId id="266" r:id="rId6"/>
+    <p:sldId id="268" r:id="rId7"/>
+    <p:sldId id="264" r:id="rId8"/>
+    <p:sldId id="265" r:id="rId9"/>
+    <p:sldId id="263" r:id="rId10"/>
   </p:sldIdLst>
   <p:sldSz cx="9144000" cy="5143500" type="screen16x9"/>
   <p:notesSz cx="6858000" cy="9144000"/>
   <p:embeddedFontLst>
     <p:embeddedFont>
       <p:font typeface="Lustria" panose="020B0604020202020204" charset="0"/>
-      <p:regular r:id="rId8"/>
+      <p:regular r:id="rId12"/>
     </p:embeddedFont>
   </p:embeddedFontLst>
   <p:defaultTextStyle>
@@ -252,6 +256,23 @@
     </a:lvl9pPr>
   </p:defaultTextStyle>
   <p:extLst>
+    <p:ext uri="{521415D9-36F7-43E2-AB2F-B90AF26B5E84}">
+      <p14:sectionLst xmlns:p14="http://schemas.microsoft.com/office/powerpoint/2010/main">
+        <p14:section name="Default Section" id="{1E3E327D-88C5-471E-A567-36123D196DC6}">
+          <p14:sldIdLst>
+            <p14:sldId id="256"/>
+            <p14:sldId id="257"/>
+            <p14:sldId id="267"/>
+            <p14:sldId id="269"/>
+            <p14:sldId id="266"/>
+            <p14:sldId id="268"/>
+            <p14:sldId id="264"/>
+            <p14:sldId id="265"/>
+            <p14:sldId id="263"/>
+          </p14:sldIdLst>
+        </p14:section>
+      </p14:sectionLst>
+    </p:ext>
     <p:ext uri="{EFAFB233-063F-42B5-8137-9DF3F51BA10A}">
       <p15:sldGuideLst xmlns:p15="http://schemas.microsoft.com/office/powerpoint/2012/main">
         <p15:guide id="1" orient="horz" pos="1620">
@@ -23026,6 +23047,582 @@
           <a:chExt cx="0" cy="0"/>
         </a:xfrm>
       </p:grpSpPr>
+      <p:sp>
+        <p:nvSpPr>
+          <p:cNvPr id="2" name="Title 1">
+            <a:extLst>
+              <a:ext uri="{FF2B5EF4-FFF2-40B4-BE49-F238E27FC236}">
+                <a16:creationId xmlns:a16="http://schemas.microsoft.com/office/drawing/2014/main" id="{5142B442-670B-4AB0-9306-1881A9790294}"/>
+              </a:ext>
+            </a:extLst>
+          </p:cNvPr>
+          <p:cNvSpPr>
+            <a:spLocks noGrp="1"/>
+          </p:cNvSpPr>
+          <p:nvPr>
+            <p:ph type="title"/>
+          </p:nvPr>
+        </p:nvSpPr>
+        <p:spPr/>
+        <p:txBody>
+          <a:bodyPr/>
+          <a:lstStyle/>
+          <a:p>
+            <a:r>
+              <a:rPr lang="en-US" dirty="0"/>
+              <a:t>Philosophy</a:t>
+            </a:r>
+          </a:p>
+        </p:txBody>
+      </p:sp>
+      <p:sp>
+        <p:nvSpPr>
+          <p:cNvPr id="3" name="Text Placeholder 2">
+            <a:extLst>
+              <a:ext uri="{FF2B5EF4-FFF2-40B4-BE49-F238E27FC236}">
+                <a16:creationId xmlns:a16="http://schemas.microsoft.com/office/drawing/2014/main" id="{3F6CBC41-B10E-46FD-82D6-0F5F07273EB9}"/>
+              </a:ext>
+            </a:extLst>
+          </p:cNvPr>
+          <p:cNvSpPr>
+            <a:spLocks noGrp="1"/>
+          </p:cNvSpPr>
+          <p:nvPr>
+            <p:ph type="body" idx="1"/>
+          </p:nvPr>
+        </p:nvSpPr>
+        <p:spPr/>
+        <p:txBody>
+          <a:bodyPr/>
+          <a:lstStyle/>
+          <a:p>
+            <a:r>
+              <a:rPr lang="en-US" dirty="0"/>
+              <a:t>If the given instance of the problem is small or simple</a:t>
+            </a:r>
+          </a:p>
+          <a:p>
+            <a:pPr lvl="1"/>
+            <a:r>
+              <a:rPr lang="en-US" dirty="0"/>
+              <a:t>Just solve it</a:t>
+            </a:r>
+          </a:p>
+          <a:p>
+            <a:r>
+              <a:rPr lang="en-US" dirty="0"/>
+              <a:t>Otherwise, reduce the problem to one or more simpler instances of the same problem.</a:t>
+            </a:r>
+          </a:p>
+          <a:p>
+            <a:endParaRPr lang="en-US" dirty="0"/>
+          </a:p>
+          <a:p>
+            <a:endParaRPr lang="en-US" dirty="0"/>
+          </a:p>
+        </p:txBody>
+      </p:sp>
+    </p:spTree>
+    <p:extLst>
+      <p:ext uri="{BB962C8B-B14F-4D97-AF65-F5344CB8AC3E}">
+        <p14:creationId xmlns:p14="http://schemas.microsoft.com/office/powerpoint/2010/main" val="381906095"/>
+      </p:ext>
+    </p:extLst>
+  </p:cSld>
+  <p:clrMapOvr>
+    <a:masterClrMapping/>
+  </p:clrMapOvr>
+</p:sld>
+</file>
+
+<file path=ppt/slides/slide4.xml><?xml version="1.0" encoding="utf-8"?>
+<p:sld xmlns:a="http://schemas.openxmlformats.org/drawingml/2006/main" xmlns:r="http://schemas.openxmlformats.org/officeDocument/2006/relationships" xmlns:p="http://schemas.openxmlformats.org/presentationml/2006/main">
+  <p:cSld>
+    <p:spTree>
+      <p:nvGrpSpPr>
+        <p:cNvPr id="1" name=""/>
+        <p:cNvGrpSpPr/>
+        <p:nvPr/>
+      </p:nvGrpSpPr>
+      <p:grpSpPr>
+        <a:xfrm>
+          <a:off x="0" y="0"/>
+          <a:ext cx="0" cy="0"/>
+          <a:chOff x="0" y="0"/>
+          <a:chExt cx="0" cy="0"/>
+        </a:xfrm>
+      </p:grpSpPr>
+      <p:sp>
+        <p:nvSpPr>
+          <p:cNvPr id="2" name="Title 1">
+            <a:extLst>
+              <a:ext uri="{FF2B5EF4-FFF2-40B4-BE49-F238E27FC236}">
+                <a16:creationId xmlns:a16="http://schemas.microsoft.com/office/drawing/2014/main" id="{A39C5DCB-F1DF-44F5-8804-1811AADCE509}"/>
+              </a:ext>
+            </a:extLst>
+          </p:cNvPr>
+          <p:cNvSpPr>
+            <a:spLocks noGrp="1"/>
+          </p:cNvSpPr>
+          <p:nvPr>
+            <p:ph type="title"/>
+          </p:nvPr>
+        </p:nvSpPr>
+        <p:spPr/>
+        <p:txBody>
+          <a:bodyPr/>
+          <a:lstStyle/>
+          <a:p>
+            <a:r>
+              <a:rPr lang="en-US" dirty="0"/>
+              <a:t>Google memes</a:t>
+            </a:r>
+          </a:p>
+        </p:txBody>
+      </p:sp>
+      <p:pic>
+        <p:nvPicPr>
+          <p:cNvPr id="4" name="Picture 3">
+            <a:extLst>
+              <a:ext uri="{FF2B5EF4-FFF2-40B4-BE49-F238E27FC236}">
+                <a16:creationId xmlns:a16="http://schemas.microsoft.com/office/drawing/2014/main" id="{72685CC5-EE33-424A-BBE8-4B0F34BADBF2}"/>
+              </a:ext>
+            </a:extLst>
+          </p:cNvPr>
+          <p:cNvPicPr>
+            <a:picLocks noChangeAspect="1"/>
+          </p:cNvPicPr>
+          <p:nvPr/>
+        </p:nvPicPr>
+        <p:blipFill>
+          <a:blip r:embed="rId2"/>
+          <a:stretch>
+            <a:fillRect/>
+          </a:stretch>
+        </p:blipFill>
+        <p:spPr>
+          <a:xfrm>
+            <a:off x="257328" y="1284194"/>
+            <a:ext cx="8629343" cy="3402106"/>
+          </a:xfrm>
+          <a:prstGeom prst="rect">
+            <a:avLst/>
+          </a:prstGeom>
+        </p:spPr>
+      </p:pic>
+    </p:spTree>
+    <p:extLst>
+      <p:ext uri="{BB962C8B-B14F-4D97-AF65-F5344CB8AC3E}">
+        <p14:creationId xmlns:p14="http://schemas.microsoft.com/office/powerpoint/2010/main" val="141073517"/>
+      </p:ext>
+    </p:extLst>
+  </p:cSld>
+  <p:clrMapOvr>
+    <a:masterClrMapping/>
+  </p:clrMapOvr>
+</p:sld>
+</file>
+
+<file path=ppt/slides/slide5.xml><?xml version="1.0" encoding="utf-8"?>
+<p:sld xmlns:a="http://schemas.openxmlformats.org/drawingml/2006/main" xmlns:r="http://schemas.openxmlformats.org/officeDocument/2006/relationships" xmlns:p="http://schemas.openxmlformats.org/presentationml/2006/main">
+  <p:cSld>
+    <p:spTree>
+      <p:nvGrpSpPr>
+        <p:cNvPr id="1" name=""/>
+        <p:cNvGrpSpPr/>
+        <p:nvPr/>
+      </p:nvGrpSpPr>
+      <p:grpSpPr>
+        <a:xfrm>
+          <a:off x="0" y="0"/>
+          <a:ext cx="0" cy="0"/>
+          <a:chOff x="0" y="0"/>
+          <a:chExt cx="0" cy="0"/>
+        </a:xfrm>
+      </p:grpSpPr>
+      <p:sp>
+        <p:nvSpPr>
+          <p:cNvPr id="2" name="Title 1">
+            <a:extLst>
+              <a:ext uri="{FF2B5EF4-FFF2-40B4-BE49-F238E27FC236}">
+                <a16:creationId xmlns:a16="http://schemas.microsoft.com/office/drawing/2014/main" id="{0A4E943A-CD74-4950-A192-738F5FA3CC81}"/>
+              </a:ext>
+            </a:extLst>
+          </p:cNvPr>
+          <p:cNvSpPr>
+            <a:spLocks noGrp="1"/>
+          </p:cNvSpPr>
+          <p:nvPr>
+            <p:ph type="title"/>
+          </p:nvPr>
+        </p:nvSpPr>
+        <p:spPr/>
+        <p:txBody>
+          <a:bodyPr/>
+          <a:lstStyle/>
+          <a:p>
+            <a:r>
+              <a:rPr lang="en-US" dirty="0"/>
+              <a:t>Example</a:t>
+            </a:r>
+          </a:p>
+        </p:txBody>
+      </p:sp>
+      <p:sp>
+        <p:nvSpPr>
+          <p:cNvPr id="3" name="Text Placeholder 2">
+            <a:extLst>
+              <a:ext uri="{FF2B5EF4-FFF2-40B4-BE49-F238E27FC236}">
+                <a16:creationId xmlns:a16="http://schemas.microsoft.com/office/drawing/2014/main" id="{352B5224-7E05-4AFE-8765-36A8C8D5B5C5}"/>
+              </a:ext>
+            </a:extLst>
+          </p:cNvPr>
+          <p:cNvSpPr>
+            <a:spLocks noGrp="1"/>
+          </p:cNvSpPr>
+          <p:nvPr>
+            <p:ph type="body" idx="1"/>
+          </p:nvPr>
+        </p:nvSpPr>
+        <p:spPr/>
+        <p:txBody>
+          <a:bodyPr/>
+          <a:lstStyle/>
+          <a:p>
+            <a:r>
+              <a:rPr lang="en-US" sz="1200" dirty="0"/>
+              <a:t>Client hires boss to create application that does X, Y, and Z.</a:t>
+            </a:r>
+          </a:p>
+          <a:p>
+            <a:pPr lvl="1"/>
+            <a:r>
+              <a:rPr lang="en-US" sz="1200" dirty="0"/>
+              <a:t>Boss tells leaders A, B, and C to do X, Y, and Z respectively.</a:t>
+            </a:r>
+          </a:p>
+          <a:p>
+            <a:pPr lvl="2"/>
+            <a:r>
+              <a:rPr lang="en-US" sz="1200" dirty="0"/>
+              <a:t>Leaders A tells code monkeys to do X</a:t>
+            </a:r>
+            <a:r>
+              <a:rPr lang="en-US" sz="1200" baseline="-25000" dirty="0"/>
+              <a:t>1</a:t>
+            </a:r>
+            <a:r>
+              <a:rPr lang="en-US" sz="1200" dirty="0"/>
+              <a:t>, X</a:t>
+            </a:r>
+            <a:r>
+              <a:rPr lang="en-US" sz="1200" baseline="-25000" dirty="0"/>
+              <a:t>2</a:t>
+            </a:r>
+            <a:r>
+              <a:rPr lang="en-US" sz="1200" dirty="0"/>
+              <a:t>, and X</a:t>
+            </a:r>
+            <a:r>
+              <a:rPr lang="en-US" sz="1200" baseline="-25000" dirty="0"/>
+              <a:t>3</a:t>
+            </a:r>
+          </a:p>
+          <a:p>
+            <a:pPr lvl="2"/>
+            <a:r>
+              <a:rPr lang="en-US" sz="1200" dirty="0"/>
+              <a:t>Leaders B tells code monkeys to do Y</a:t>
+            </a:r>
+            <a:r>
+              <a:rPr lang="en-US" sz="1200" baseline="-25000" dirty="0"/>
+              <a:t>1</a:t>
+            </a:r>
+            <a:r>
+              <a:rPr lang="en-US" sz="1200" dirty="0"/>
+              <a:t>, Y</a:t>
+            </a:r>
+            <a:r>
+              <a:rPr lang="en-US" sz="1200" baseline="-25000" dirty="0"/>
+              <a:t>2</a:t>
+            </a:r>
+            <a:r>
+              <a:rPr lang="en-US" sz="1200" dirty="0"/>
+              <a:t>, and Y</a:t>
+            </a:r>
+            <a:r>
+              <a:rPr lang="en-US" sz="1200" baseline="-25000" dirty="0"/>
+              <a:t>3</a:t>
+            </a:r>
+            <a:endParaRPr lang="en-US" sz="1200" dirty="0"/>
+          </a:p>
+          <a:p>
+            <a:pPr lvl="2"/>
+            <a:r>
+              <a:rPr lang="en-US" sz="1200" dirty="0"/>
+              <a:t>Leaders C tells code monkeys to do Z</a:t>
+            </a:r>
+            <a:r>
+              <a:rPr lang="en-US" sz="1200" baseline="-25000" dirty="0"/>
+              <a:t>1</a:t>
+            </a:r>
+            <a:r>
+              <a:rPr lang="en-US" sz="1200" dirty="0"/>
+              <a:t>, Z</a:t>
+            </a:r>
+            <a:r>
+              <a:rPr lang="en-US" sz="1200" baseline="-25000" dirty="0"/>
+              <a:t>2</a:t>
+            </a:r>
+            <a:r>
+              <a:rPr lang="en-US" sz="1200" dirty="0"/>
+              <a:t>, and Z</a:t>
+            </a:r>
+            <a:r>
+              <a:rPr lang="en-US" sz="1200" baseline="-25000" dirty="0"/>
+              <a:t>3</a:t>
+            </a:r>
+          </a:p>
+          <a:p>
+            <a:pPr lvl="3"/>
+            <a:r>
+              <a:rPr lang="en-US" sz="1200" dirty="0"/>
+              <a:t>Code monkeys calculate and return results to leaders</a:t>
+            </a:r>
+          </a:p>
+          <a:p>
+            <a:pPr lvl="2"/>
+            <a:r>
+              <a:rPr lang="en-US" sz="1200" dirty="0"/>
+              <a:t>Leaders return results to boss</a:t>
+            </a:r>
+          </a:p>
+          <a:p>
+            <a:pPr lvl="1"/>
+            <a:r>
+              <a:rPr lang="en-US" sz="1200" dirty="0"/>
+              <a:t>Boss returns results to client</a:t>
+            </a:r>
+          </a:p>
+          <a:p>
+            <a:r>
+              <a:rPr lang="en-US" sz="1200" dirty="0"/>
+              <a:t>Client gets expected outcome</a:t>
+            </a:r>
+          </a:p>
+          <a:p>
+            <a:endParaRPr lang="en-US" sz="1200" dirty="0"/>
+          </a:p>
+        </p:txBody>
+      </p:sp>
+    </p:spTree>
+    <p:extLst>
+      <p:ext uri="{BB962C8B-B14F-4D97-AF65-F5344CB8AC3E}">
+        <p14:creationId xmlns:p14="http://schemas.microsoft.com/office/powerpoint/2010/main" val="3069163577"/>
+      </p:ext>
+    </p:extLst>
+  </p:cSld>
+  <p:clrMapOvr>
+    <a:masterClrMapping/>
+  </p:clrMapOvr>
+</p:sld>
+</file>
+
+<file path=ppt/slides/slide6.xml><?xml version="1.0" encoding="utf-8"?>
+<p:sld xmlns:a="http://schemas.openxmlformats.org/drawingml/2006/main" xmlns:r="http://schemas.openxmlformats.org/officeDocument/2006/relationships" xmlns:p="http://schemas.openxmlformats.org/presentationml/2006/main">
+  <p:cSld>
+    <p:spTree>
+      <p:nvGrpSpPr>
+        <p:cNvPr id="1" name=""/>
+        <p:cNvGrpSpPr/>
+        <p:nvPr/>
+      </p:nvGrpSpPr>
+      <p:grpSpPr>
+        <a:xfrm>
+          <a:off x="0" y="0"/>
+          <a:ext cx="0" cy="0"/>
+          <a:chOff x="0" y="0"/>
+          <a:chExt cx="0" cy="0"/>
+        </a:xfrm>
+      </p:grpSpPr>
+      <p:sp>
+        <p:nvSpPr>
+          <p:cNvPr id="2" name="Title 1">
+            <a:extLst>
+              <a:ext uri="{FF2B5EF4-FFF2-40B4-BE49-F238E27FC236}">
+                <a16:creationId xmlns:a16="http://schemas.microsoft.com/office/drawing/2014/main" id="{2CA812C5-2A88-4387-B16D-6706B80447CF}"/>
+              </a:ext>
+            </a:extLst>
+          </p:cNvPr>
+          <p:cNvSpPr>
+            <a:spLocks noGrp="1"/>
+          </p:cNvSpPr>
+          <p:nvPr>
+            <p:ph type="title"/>
+          </p:nvPr>
+        </p:nvSpPr>
+        <p:spPr/>
+        <p:txBody>
+          <a:bodyPr/>
+          <a:lstStyle/>
+          <a:p>
+            <a:r>
+              <a:rPr lang="en-US" dirty="0"/>
+              <a:t>Another Example</a:t>
+            </a:r>
+          </a:p>
+        </p:txBody>
+      </p:sp>
+      <p:sp>
+        <p:nvSpPr>
+          <p:cNvPr id="3" name="Text Placeholder 2">
+            <a:extLst>
+              <a:ext uri="{FF2B5EF4-FFF2-40B4-BE49-F238E27FC236}">
+                <a16:creationId xmlns:a16="http://schemas.microsoft.com/office/drawing/2014/main" id="{486C2A01-BEDE-4A03-BDA5-5E7D0BC69B67}"/>
+              </a:ext>
+            </a:extLst>
+          </p:cNvPr>
+          <p:cNvSpPr>
+            <a:spLocks noGrp="1"/>
+          </p:cNvSpPr>
+          <p:nvPr>
+            <p:ph type="body" idx="1"/>
+          </p:nvPr>
+        </p:nvSpPr>
+        <p:spPr/>
+        <p:txBody>
+          <a:bodyPr/>
+          <a:lstStyle/>
+          <a:p>
+            <a:r>
+              <a:rPr lang="en-US" sz="1200" dirty="0"/>
+              <a:t>At the movies and you want to know what row you are in.</a:t>
+            </a:r>
+          </a:p>
+          <a:p>
+            <a:pPr lvl="1"/>
+            <a:r>
+              <a:rPr lang="en-US" sz="1200" dirty="0"/>
+              <a:t>You ask the person in front of you, they don’t know either.</a:t>
+            </a:r>
+          </a:p>
+          <a:p>
+            <a:pPr lvl="2"/>
+            <a:r>
+              <a:rPr lang="en-US" sz="1200" dirty="0"/>
+              <a:t>They ask the person in front of them, they don’t know either.</a:t>
+            </a:r>
+          </a:p>
+          <a:p>
+            <a:pPr lvl="3"/>
+            <a:r>
+              <a:rPr lang="en-US" sz="1200" dirty="0"/>
+              <a:t>…</a:t>
+            </a:r>
+          </a:p>
+          <a:p>
+            <a:pPr lvl="3"/>
+            <a:r>
+              <a:rPr lang="en-US" sz="1200" dirty="0"/>
+              <a:t>...</a:t>
+            </a:r>
+          </a:p>
+          <a:p>
+            <a:pPr lvl="4"/>
+            <a:r>
+              <a:rPr lang="en-US" sz="1200" dirty="0"/>
+              <a:t>They ask the person in the first row, they reply, “the first!”</a:t>
+            </a:r>
+          </a:p>
+          <a:p>
+            <a:pPr lvl="3"/>
+            <a:r>
+              <a:rPr lang="en-US" sz="1200" dirty="0"/>
+              <a:t>Knowing the person in front of them is in the first row, they then reply, “the second!”</a:t>
+            </a:r>
+          </a:p>
+          <a:p>
+            <a:pPr lvl="3"/>
+            <a:r>
+              <a:rPr lang="en-US" sz="1200" dirty="0"/>
+              <a:t>…</a:t>
+            </a:r>
+          </a:p>
+          <a:p>
+            <a:pPr lvl="3"/>
+            <a:r>
+              <a:rPr lang="en-US" sz="1200" dirty="0"/>
+              <a:t>…</a:t>
+            </a:r>
+          </a:p>
+          <a:p>
+            <a:pPr lvl="2"/>
+            <a:r>
+              <a:rPr lang="en-US" sz="1200" dirty="0"/>
+              <a:t>They heard “n-3” therefore they are “n-2”</a:t>
+            </a:r>
+          </a:p>
+          <a:p>
+            <a:pPr lvl="1"/>
+            <a:r>
+              <a:rPr lang="en-US" sz="1200" dirty="0"/>
+              <a:t>They heard “n-2” therefore they are in “n-1”</a:t>
+            </a:r>
+          </a:p>
+          <a:p>
+            <a:r>
+              <a:rPr lang="en-US" sz="1400" dirty="0"/>
+              <a:t>You heard “n-1” therefore you know you are in the n</a:t>
+            </a:r>
+            <a:r>
+              <a:rPr lang="en-US" sz="1400" baseline="30000" dirty="0"/>
+              <a:t>th</a:t>
+            </a:r>
+            <a:r>
+              <a:rPr lang="en-US" sz="1400" dirty="0"/>
+              <a:t> row.</a:t>
+            </a:r>
+          </a:p>
+          <a:p>
+            <a:pPr lvl="1"/>
+            <a:endParaRPr lang="en-US" sz="1200" dirty="0"/>
+          </a:p>
+          <a:p>
+            <a:pPr lvl="5"/>
+            <a:endParaRPr lang="en-US" sz="1200" dirty="0"/>
+          </a:p>
+        </p:txBody>
+      </p:sp>
+    </p:spTree>
+    <p:extLst>
+      <p:ext uri="{BB962C8B-B14F-4D97-AF65-F5344CB8AC3E}">
+        <p14:creationId xmlns:p14="http://schemas.microsoft.com/office/powerpoint/2010/main" val="1458089573"/>
+      </p:ext>
+    </p:extLst>
+  </p:cSld>
+  <p:clrMapOvr>
+    <a:masterClrMapping/>
+  </p:clrMapOvr>
+</p:sld>
+</file>
+
+<file path=ppt/slides/slide7.xml><?xml version="1.0" encoding="utf-8"?>
+<p:sld xmlns:a="http://schemas.openxmlformats.org/drawingml/2006/main" xmlns:r="http://schemas.openxmlformats.org/officeDocument/2006/relationships" xmlns:p="http://schemas.openxmlformats.org/presentationml/2006/main">
+  <p:cSld>
+    <p:spTree>
+      <p:nvGrpSpPr>
+        <p:cNvPr id="1" name=""/>
+        <p:cNvGrpSpPr/>
+        <p:nvPr/>
+      </p:nvGrpSpPr>
+      <p:grpSpPr>
+        <a:xfrm>
+          <a:off x="0" y="0"/>
+          <a:ext cx="0" cy="0"/>
+          <a:chOff x="0" y="0"/>
+          <a:chExt cx="0" cy="0"/>
+        </a:xfrm>
+      </p:grpSpPr>
       <p:pic>
         <p:nvPicPr>
           <p:cNvPr id="4" name="Picture 3">
@@ -23069,7 +23666,7 @@
 </p:sld>
 </file>
 
-<file path=ppt/slides/slide4.xml><?xml version="1.0" encoding="utf-8"?>
+<file path=ppt/slides/slide8.xml><?xml version="1.0" encoding="utf-8"?>
 <p:sld xmlns:a="http://schemas.openxmlformats.org/drawingml/2006/main" xmlns:r="http://schemas.openxmlformats.org/officeDocument/2006/relationships" xmlns:p="http://schemas.openxmlformats.org/presentationml/2006/main">
   <p:cSld>
     <p:spTree>
@@ -23129,7 +23726,7 @@
 </p:sld>
 </file>
 
-<file path=ppt/slides/slide5.xml><?xml version="1.0" encoding="utf-8"?>
+<file path=ppt/slides/slide9.xml><?xml version="1.0" encoding="utf-8"?>
 <p:sld xmlns:a="http://schemas.openxmlformats.org/drawingml/2006/main" xmlns:r="http://schemas.openxmlformats.org/officeDocument/2006/relationships" xmlns:p="http://schemas.openxmlformats.org/presentationml/2006/main">
   <p:cSld>
     <p:spTree>
